--- a/done parts.pptx
+++ b/done parts.pptx
@@ -248,7 +248,7 @@
           <a:p>
             <a:fld id="{4BB7BF7A-05F6-459F-9B84-30CD87B54E44}" type="datetimeFigureOut">
               <a:rPr lang="en-US" smtClean="0"/>
-              <a:t>4/11/2015</a:t>
+              <a:t>4/13/2015</a:t>
             </a:fld>
             <a:endParaRPr lang="en-US"/>
           </a:p>
@@ -290,7 +290,7 @@
           <a:p>
             <a:fld id="{272B8725-E8D3-4A93-B944-E12BD5AD8471}" type="slidenum">
               <a:rPr lang="en-US" smtClean="0"/>
-              <a:t>‹nº›</a:t>
+              <a:t>‹#›</a:t>
             </a:fld>
             <a:endParaRPr lang="en-US"/>
           </a:p>
@@ -418,7 +418,7 @@
           <a:p>
             <a:fld id="{4BB7BF7A-05F6-459F-9B84-30CD87B54E44}" type="datetimeFigureOut">
               <a:rPr lang="en-US" smtClean="0"/>
-              <a:t>4/11/2015</a:t>
+              <a:t>4/13/2015</a:t>
             </a:fld>
             <a:endParaRPr lang="en-US"/>
           </a:p>
@@ -460,7 +460,7 @@
           <a:p>
             <a:fld id="{272B8725-E8D3-4A93-B944-E12BD5AD8471}" type="slidenum">
               <a:rPr lang="en-US" smtClean="0"/>
-              <a:t>‹nº›</a:t>
+              <a:t>‹#›</a:t>
             </a:fld>
             <a:endParaRPr lang="en-US"/>
           </a:p>
@@ -598,7 +598,7 @@
           <a:p>
             <a:fld id="{4BB7BF7A-05F6-459F-9B84-30CD87B54E44}" type="datetimeFigureOut">
               <a:rPr lang="en-US" smtClean="0"/>
-              <a:t>4/11/2015</a:t>
+              <a:t>4/13/2015</a:t>
             </a:fld>
             <a:endParaRPr lang="en-US"/>
           </a:p>
@@ -640,7 +640,7 @@
           <a:p>
             <a:fld id="{272B8725-E8D3-4A93-B944-E12BD5AD8471}" type="slidenum">
               <a:rPr lang="en-US" smtClean="0"/>
-              <a:t>‹nº›</a:t>
+              <a:t>‹#›</a:t>
             </a:fld>
             <a:endParaRPr lang="en-US"/>
           </a:p>
@@ -768,7 +768,7 @@
           <a:p>
             <a:fld id="{4BB7BF7A-05F6-459F-9B84-30CD87B54E44}" type="datetimeFigureOut">
               <a:rPr lang="en-US" smtClean="0"/>
-              <a:t>4/11/2015</a:t>
+              <a:t>4/13/2015</a:t>
             </a:fld>
             <a:endParaRPr lang="en-US"/>
           </a:p>
@@ -810,7 +810,7 @@
           <a:p>
             <a:fld id="{272B8725-E8D3-4A93-B944-E12BD5AD8471}" type="slidenum">
               <a:rPr lang="en-US" smtClean="0"/>
-              <a:t>‹nº›</a:t>
+              <a:t>‹#›</a:t>
             </a:fld>
             <a:endParaRPr lang="en-US"/>
           </a:p>
@@ -1014,7 +1014,7 @@
           <a:p>
             <a:fld id="{4BB7BF7A-05F6-459F-9B84-30CD87B54E44}" type="datetimeFigureOut">
               <a:rPr lang="en-US" smtClean="0"/>
-              <a:t>4/11/2015</a:t>
+              <a:t>4/13/2015</a:t>
             </a:fld>
             <a:endParaRPr lang="en-US"/>
           </a:p>
@@ -1056,7 +1056,7 @@
           <a:p>
             <a:fld id="{272B8725-E8D3-4A93-B944-E12BD5AD8471}" type="slidenum">
               <a:rPr lang="en-US" smtClean="0"/>
-              <a:t>‹nº›</a:t>
+              <a:t>‹#›</a:t>
             </a:fld>
             <a:endParaRPr lang="en-US"/>
           </a:p>
@@ -1246,7 +1246,7 @@
           <a:p>
             <a:fld id="{4BB7BF7A-05F6-459F-9B84-30CD87B54E44}" type="datetimeFigureOut">
               <a:rPr lang="en-US" smtClean="0"/>
-              <a:t>4/11/2015</a:t>
+              <a:t>4/13/2015</a:t>
             </a:fld>
             <a:endParaRPr lang="en-US"/>
           </a:p>
@@ -1288,7 +1288,7 @@
           <a:p>
             <a:fld id="{272B8725-E8D3-4A93-B944-E12BD5AD8471}" type="slidenum">
               <a:rPr lang="en-US" smtClean="0"/>
-              <a:t>‹nº›</a:t>
+              <a:t>‹#›</a:t>
             </a:fld>
             <a:endParaRPr lang="en-US"/>
           </a:p>
@@ -1613,7 +1613,7 @@
           <a:p>
             <a:fld id="{4BB7BF7A-05F6-459F-9B84-30CD87B54E44}" type="datetimeFigureOut">
               <a:rPr lang="en-US" smtClean="0"/>
-              <a:t>4/11/2015</a:t>
+              <a:t>4/13/2015</a:t>
             </a:fld>
             <a:endParaRPr lang="en-US"/>
           </a:p>
@@ -1655,7 +1655,7 @@
           <a:p>
             <a:fld id="{272B8725-E8D3-4A93-B944-E12BD5AD8471}" type="slidenum">
               <a:rPr lang="en-US" smtClean="0"/>
-              <a:t>‹nº›</a:t>
+              <a:t>‹#›</a:t>
             </a:fld>
             <a:endParaRPr lang="en-US"/>
           </a:p>
@@ -1731,7 +1731,7 @@
           <a:p>
             <a:fld id="{4BB7BF7A-05F6-459F-9B84-30CD87B54E44}" type="datetimeFigureOut">
               <a:rPr lang="en-US" smtClean="0"/>
-              <a:t>4/11/2015</a:t>
+              <a:t>4/13/2015</a:t>
             </a:fld>
             <a:endParaRPr lang="en-US"/>
           </a:p>
@@ -1773,7 +1773,7 @@
           <a:p>
             <a:fld id="{272B8725-E8D3-4A93-B944-E12BD5AD8471}" type="slidenum">
               <a:rPr lang="en-US" smtClean="0"/>
-              <a:t>‹nº›</a:t>
+              <a:t>‹#›</a:t>
             </a:fld>
             <a:endParaRPr lang="en-US"/>
           </a:p>
@@ -1826,7 +1826,7 @@
           <a:p>
             <a:fld id="{4BB7BF7A-05F6-459F-9B84-30CD87B54E44}" type="datetimeFigureOut">
               <a:rPr lang="en-US" smtClean="0"/>
-              <a:t>4/11/2015</a:t>
+              <a:t>4/13/2015</a:t>
             </a:fld>
             <a:endParaRPr lang="en-US"/>
           </a:p>
@@ -1868,7 +1868,7 @@
           <a:p>
             <a:fld id="{272B8725-E8D3-4A93-B944-E12BD5AD8471}" type="slidenum">
               <a:rPr lang="en-US" smtClean="0"/>
-              <a:t>‹nº›</a:t>
+              <a:t>‹#›</a:t>
             </a:fld>
             <a:endParaRPr lang="en-US"/>
           </a:p>
@@ -2103,7 +2103,7 @@
           <a:p>
             <a:fld id="{4BB7BF7A-05F6-459F-9B84-30CD87B54E44}" type="datetimeFigureOut">
               <a:rPr lang="en-US" smtClean="0"/>
-              <a:t>4/11/2015</a:t>
+              <a:t>4/13/2015</a:t>
             </a:fld>
             <a:endParaRPr lang="en-US"/>
           </a:p>
@@ -2145,7 +2145,7 @@
           <a:p>
             <a:fld id="{272B8725-E8D3-4A93-B944-E12BD5AD8471}" type="slidenum">
               <a:rPr lang="en-US" smtClean="0"/>
-              <a:t>‹nº›</a:t>
+              <a:t>‹#›</a:t>
             </a:fld>
             <a:endParaRPr lang="en-US"/>
           </a:p>
@@ -2356,7 +2356,7 @@
           <a:p>
             <a:fld id="{4BB7BF7A-05F6-459F-9B84-30CD87B54E44}" type="datetimeFigureOut">
               <a:rPr lang="en-US" smtClean="0"/>
-              <a:t>4/11/2015</a:t>
+              <a:t>4/13/2015</a:t>
             </a:fld>
             <a:endParaRPr lang="en-US"/>
           </a:p>
@@ -2398,7 +2398,7 @@
           <a:p>
             <a:fld id="{272B8725-E8D3-4A93-B944-E12BD5AD8471}" type="slidenum">
               <a:rPr lang="en-US" smtClean="0"/>
-              <a:t>‹nº›</a:t>
+              <a:t>‹#›</a:t>
             </a:fld>
             <a:endParaRPr lang="en-US"/>
           </a:p>
@@ -2569,7 +2569,7 @@
           <a:p>
             <a:fld id="{4BB7BF7A-05F6-459F-9B84-30CD87B54E44}" type="datetimeFigureOut">
               <a:rPr lang="en-US" smtClean="0"/>
-              <a:t>4/11/2015</a:t>
+              <a:t>4/13/2015</a:t>
             </a:fld>
             <a:endParaRPr lang="en-US"/>
           </a:p>
@@ -2647,7 +2647,7 @@
           <a:p>
             <a:fld id="{272B8725-E8D3-4A93-B944-E12BD5AD8471}" type="slidenum">
               <a:rPr lang="en-US" smtClean="0"/>
-              <a:t>‹nº›</a:t>
+              <a:t>‹#›</a:t>
             </a:fld>
             <a:endParaRPr lang="en-US"/>
           </a:p>
@@ -3045,7 +3045,7 @@
         <p:spPr>
           <a:xfrm>
             <a:off x="8332631" y="4790941"/>
-            <a:ext cx="2149499" cy="369332"/>
+            <a:ext cx="1535805" cy="369332"/>
           </a:xfrm>
           <a:prstGeom prst="rect">
             <a:avLst/>
@@ -3059,29 +3059,26 @@
           <a:lstStyle/>
           <a:p>
             <a:r>
-              <a:rPr lang="en-US" dirty="0" smtClean="0">
+              <a:rPr lang="en-US" b="1" dirty="0" err="1" smtClean="0">
                 <a:solidFill>
                   <a:srgbClr val="FF0000"/>
                 </a:solidFill>
               </a:rPr>
-              <a:t>“</a:t>
-            </a:r>
-            <a:r>
-              <a:rPr lang="en-US" dirty="0" err="1" smtClean="0">
+              <a:t>Fellipe</a:t>
+            </a:r>
+            <a:r>
+              <a:rPr lang="en-US" b="1" dirty="0" smtClean="0">
                 <a:solidFill>
                   <a:srgbClr val="FF0000"/>
                 </a:solidFill>
               </a:rPr>
-              <a:t>fellipe</a:t>
-            </a:r>
-            <a:r>
-              <a:rPr lang="en-US" dirty="0" smtClean="0">
-                <a:solidFill>
-                  <a:srgbClr val="FF0000"/>
-                </a:solidFill>
-              </a:rPr>
-              <a:t>” a supervisor</a:t>
-            </a:r>
+              <a:t> logs in.</a:t>
+            </a:r>
+            <a:endParaRPr lang="en-US" b="1" dirty="0" smtClean="0">
+              <a:solidFill>
+                <a:srgbClr val="FF0000"/>
+              </a:solidFill>
+            </a:endParaRPr>
           </a:p>
         </p:txBody>
       </p:sp>
@@ -3192,8 +3189,8 @@
         </p:nvSpPr>
         <p:spPr>
           <a:xfrm>
-            <a:off x="1490850" y="2284413"/>
-            <a:ext cx="3468642" cy="369332"/>
+            <a:off x="3212747" y="2515259"/>
+            <a:ext cx="8979253" cy="369332"/>
           </a:xfrm>
           <a:prstGeom prst="rect">
             <a:avLst/>
@@ -3212,7 +3209,31 @@
                   <a:srgbClr val="FF0000"/>
                 </a:solidFill>
               </a:rPr>
-              <a:t>I clicked on “Create new Account”</a:t>
+              <a:t>Luke clicks</a:t>
+            </a:r>
+            <a:r>
+              <a:rPr lang="en-US" b="1" dirty="0" smtClean="0">
+                <a:solidFill>
+                  <a:srgbClr val="FF0000"/>
+                </a:solidFill>
+              </a:rPr>
+              <a:t> </a:t>
+            </a:r>
+            <a:r>
+              <a:rPr lang="en-US" b="1" dirty="0" smtClean="0">
+                <a:solidFill>
+                  <a:srgbClr val="FF0000"/>
+                </a:solidFill>
+              </a:rPr>
+              <a:t>on “Create new </a:t>
+            </a:r>
+            <a:r>
+              <a:rPr lang="en-US" b="1" dirty="0" smtClean="0">
+                <a:solidFill>
+                  <a:srgbClr val="FF0000"/>
+                </a:solidFill>
+              </a:rPr>
+              <a:t>Account.” Now he can add a new employee, supervisor, or admin</a:t>
             </a:r>
             <a:endParaRPr lang="en-US" b="1" dirty="0">
               <a:solidFill>
@@ -3321,6 +3342,44 @@
           </a:prstGeom>
         </p:spPr>
       </p:pic>
+      <p:sp>
+        <p:nvSpPr>
+          <p:cNvPr id="5" name="CaixaDeTexto 4"/>
+          <p:cNvSpPr txBox="1"/>
+          <p:nvPr/>
+        </p:nvSpPr>
+        <p:spPr>
+          <a:xfrm>
+            <a:off x="1326523" y="5267459"/>
+            <a:ext cx="4143570" cy="369332"/>
+          </a:xfrm>
+          <a:prstGeom prst="rect">
+            <a:avLst/>
+          </a:prstGeom>
+          <a:noFill/>
+        </p:spPr>
+        <p:txBody>
+          <a:bodyPr wrap="none" rtlCol="0">
+            <a:spAutoFit/>
+          </a:bodyPr>
+          <a:lstStyle/>
+          <a:p>
+            <a:r>
+              <a:rPr lang="en-US" b="1" dirty="0" smtClean="0">
+                <a:solidFill>
+                  <a:srgbClr val="FF0000"/>
+                </a:solidFill>
+              </a:rPr>
+              <a:t>Confirmation page tells Luke it succeeded</a:t>
+            </a:r>
+            <a:endParaRPr lang="en-US" b="1" dirty="0" smtClean="0">
+              <a:solidFill>
+                <a:srgbClr val="FF0000"/>
+              </a:solidFill>
+            </a:endParaRPr>
+          </a:p>
+        </p:txBody>
+      </p:sp>
     </p:spTree>
     <p:extLst>
       <p:ext uri="{BB962C8B-B14F-4D97-AF65-F5344CB8AC3E}">
@@ -3384,44 +3443,6 @@
       </p:pic>
       <p:sp>
         <p:nvSpPr>
-          <p:cNvPr id="2" name="Título 1"/>
-          <p:cNvSpPr>
-            <a:spLocks noGrp="1"/>
-          </p:cNvSpPr>
-          <p:nvPr>
-            <p:ph type="title"/>
-          </p:nvPr>
-        </p:nvSpPr>
-        <p:spPr/>
-        <p:txBody>
-          <a:bodyPr/>
-          <a:lstStyle/>
-          <a:p>
-            <a:endParaRPr lang="en-US"/>
-          </a:p>
-        </p:txBody>
-      </p:sp>
-      <p:sp>
-        <p:nvSpPr>
-          <p:cNvPr id="3" name="Espaço Reservado para Conteúdo 2"/>
-          <p:cNvSpPr>
-            <a:spLocks noGrp="1"/>
-          </p:cNvSpPr>
-          <p:nvPr>
-            <p:ph idx="1"/>
-          </p:nvPr>
-        </p:nvSpPr>
-        <p:spPr/>
-        <p:txBody>
-          <a:bodyPr/>
-          <a:lstStyle/>
-          <a:p>
-            <a:endParaRPr lang="en-US"/>
-          </a:p>
-        </p:txBody>
-      </p:sp>
-      <p:sp>
-        <p:nvSpPr>
           <p:cNvPr id="5" name="CaixaDeTexto 4"/>
           <p:cNvSpPr txBox="1"/>
           <p:nvPr/>
@@ -3519,6 +3540,52 @@
               <a:t>Only the supervisor can see this</a:t>
             </a:r>
             <a:endParaRPr lang="en-US" b="1" dirty="0">
+              <a:solidFill>
+                <a:srgbClr val="FF0000"/>
+              </a:solidFill>
+            </a:endParaRPr>
+          </a:p>
+        </p:txBody>
+      </p:sp>
+      <p:sp>
+        <p:nvSpPr>
+          <p:cNvPr id="8" name="CaixaDeTexto 4"/>
+          <p:cNvSpPr txBox="1"/>
+          <p:nvPr/>
+        </p:nvSpPr>
+        <p:spPr>
+          <a:xfrm>
+            <a:off x="3348507" y="3738910"/>
+            <a:ext cx="2228752" cy="369332"/>
+          </a:xfrm>
+          <a:prstGeom prst="rect">
+            <a:avLst/>
+          </a:prstGeom>
+          <a:noFill/>
+        </p:spPr>
+        <p:txBody>
+          <a:bodyPr wrap="none" rtlCol="0">
+            <a:spAutoFit/>
+          </a:bodyPr>
+          <a:lstStyle/>
+          <a:p>
+            <a:r>
+              <a:rPr lang="en-US" b="1" dirty="0" err="1" smtClean="0">
+                <a:solidFill>
+                  <a:srgbClr val="FF0000"/>
+                </a:solidFill>
+              </a:rPr>
+              <a:t>Fellipe</a:t>
+            </a:r>
+            <a:r>
+              <a:rPr lang="en-US" b="1" dirty="0" smtClean="0">
+                <a:solidFill>
+                  <a:srgbClr val="FF0000"/>
+                </a:solidFill>
+              </a:rPr>
+              <a:t> is a supervisor</a:t>
+            </a:r>
+            <a:endParaRPr lang="en-US" b="1" dirty="0" smtClean="0">
               <a:solidFill>
                 <a:srgbClr val="FF0000"/>
               </a:solidFill>
@@ -3634,7 +3701,7 @@
         <p:spPr>
           <a:xfrm>
             <a:off x="1326523" y="5267459"/>
-            <a:ext cx="7442294" cy="369332"/>
+            <a:ext cx="6310254" cy="369332"/>
           </a:xfrm>
           <a:prstGeom prst="rect">
             <a:avLst/>
@@ -3653,7 +3720,47 @@
                   <a:srgbClr val="FF0000"/>
                 </a:solidFill>
               </a:rPr>
-              <a:t>Need to add the option the insert the employees participating in the project</a:t>
+              <a:t>Not yet implemented: </a:t>
+            </a:r>
+            <a:r>
+              <a:rPr lang="en-US" b="1" dirty="0" smtClean="0">
+                <a:solidFill>
+                  <a:srgbClr val="FF0000"/>
+                </a:solidFill>
+              </a:rPr>
+              <a:t>list the</a:t>
+            </a:r>
+            <a:r>
+              <a:rPr lang="en-US" b="1" dirty="0" smtClean="0">
+                <a:solidFill>
+                  <a:srgbClr val="FF0000"/>
+                </a:solidFill>
+              </a:rPr>
+              <a:t> </a:t>
+            </a:r>
+            <a:r>
+              <a:rPr lang="en-US" b="1" dirty="0" smtClean="0">
+                <a:solidFill>
+                  <a:srgbClr val="FF0000"/>
+                </a:solidFill>
+              </a:rPr>
+              <a:t>employees </a:t>
+            </a:r>
+            <a:r>
+              <a:rPr lang="en-US" b="1" dirty="0" smtClean="0">
+                <a:solidFill>
+                  <a:srgbClr val="FF0000"/>
+                </a:solidFill>
+              </a:rPr>
+              <a:t>working on </a:t>
+            </a:r>
+            <a:r>
+              <a:rPr lang="en-US" b="1" dirty="0" smtClean="0">
+                <a:solidFill>
+                  <a:srgbClr val="FF0000"/>
+                </a:solidFill>
+              </a:rPr>
+              <a:t>the project</a:t>
             </a:r>
           </a:p>
         </p:txBody>
@@ -3798,6 +3905,52 @@
           </a:p>
         </p:txBody>
       </p:sp>
+      <p:sp>
+        <p:nvSpPr>
+          <p:cNvPr id="6" name="CaixaDeTexto 4"/>
+          <p:cNvSpPr txBox="1"/>
+          <p:nvPr/>
+        </p:nvSpPr>
+        <p:spPr>
+          <a:xfrm>
+            <a:off x="3132065" y="5591573"/>
+            <a:ext cx="2015295" cy="369332"/>
+          </a:xfrm>
+          <a:prstGeom prst="rect">
+            <a:avLst/>
+          </a:prstGeom>
+          <a:noFill/>
+        </p:spPr>
+        <p:txBody>
+          <a:bodyPr wrap="none" rtlCol="0">
+            <a:spAutoFit/>
+          </a:bodyPr>
+          <a:lstStyle/>
+          <a:p>
+            <a:r>
+              <a:rPr lang="en-US" b="1" dirty="0" err="1" smtClean="0">
+                <a:solidFill>
+                  <a:srgbClr val="FF0000"/>
+                </a:solidFill>
+              </a:rPr>
+              <a:t>Fellipe</a:t>
+            </a:r>
+            <a:r>
+              <a:rPr lang="en-US" b="1" dirty="0" smtClean="0">
+                <a:solidFill>
+                  <a:srgbClr val="FF0000"/>
+                </a:solidFill>
+              </a:rPr>
+              <a:t> clicks create</a:t>
+            </a:r>
+            <a:endParaRPr lang="en-US" b="1" dirty="0" smtClean="0">
+              <a:solidFill>
+                <a:srgbClr val="FF0000"/>
+              </a:solidFill>
+            </a:endParaRPr>
+          </a:p>
+        </p:txBody>
+      </p:sp>
     </p:spTree>
     <p:extLst>
       <p:ext uri="{BB962C8B-B14F-4D97-AF65-F5344CB8AC3E}">
@@ -3897,6 +4050,60 @@
           </a:prstGeom>
         </p:spPr>
       </p:pic>
+      <p:sp>
+        <p:nvSpPr>
+          <p:cNvPr id="5" name="CaixaDeTexto 4"/>
+          <p:cNvSpPr txBox="1"/>
+          <p:nvPr/>
+        </p:nvSpPr>
+        <p:spPr>
+          <a:xfrm>
+            <a:off x="1326523" y="5267459"/>
+            <a:ext cx="4327595" cy="369332"/>
+          </a:xfrm>
+          <a:prstGeom prst="rect">
+            <a:avLst/>
+          </a:prstGeom>
+          <a:noFill/>
+        </p:spPr>
+        <p:txBody>
+          <a:bodyPr wrap="none" rtlCol="0">
+            <a:spAutoFit/>
+          </a:bodyPr>
+          <a:lstStyle/>
+          <a:p>
+            <a:r>
+              <a:rPr lang="en-US" b="1" dirty="0" smtClean="0">
+                <a:solidFill>
+                  <a:srgbClr val="FF0000"/>
+                </a:solidFill>
+              </a:rPr>
+              <a:t>Confirmation page tells </a:t>
+            </a:r>
+            <a:r>
+              <a:rPr lang="en-US" b="1" dirty="0" err="1" smtClean="0">
+                <a:solidFill>
+                  <a:srgbClr val="FF0000"/>
+                </a:solidFill>
+              </a:rPr>
+              <a:t>Fellipe</a:t>
+            </a:r>
+            <a:r>
+              <a:rPr lang="en-US" b="1" dirty="0" smtClean="0">
+                <a:solidFill>
+                  <a:srgbClr val="FF0000"/>
+                </a:solidFill>
+              </a:rPr>
+              <a:t> it succeeded</a:t>
+            </a:r>
+            <a:endParaRPr lang="en-US" b="1" dirty="0" smtClean="0">
+              <a:solidFill>
+                <a:srgbClr val="FF0000"/>
+              </a:solidFill>
+            </a:endParaRPr>
+          </a:p>
+        </p:txBody>
+      </p:sp>
     </p:spTree>
     <p:extLst>
       <p:ext uri="{BB962C8B-B14F-4D97-AF65-F5344CB8AC3E}">
@@ -4005,7 +4212,7 @@
         <p:spPr>
           <a:xfrm>
             <a:off x="8075054" y="4984124"/>
-            <a:ext cx="1975349" cy="369332"/>
+            <a:ext cx="1351780" cy="369332"/>
           </a:xfrm>
           <a:prstGeom prst="rect">
             <a:avLst/>
@@ -4024,8 +4231,21 @@
                   <a:srgbClr val="FF0000"/>
                 </a:solidFill>
               </a:rPr>
-              <a:t>“Luke” is an admin</a:t>
-            </a:r>
+              <a:t>Luke </a:t>
+            </a:r>
+            <a:r>
+              <a:rPr lang="en-US" b="1" dirty="0" smtClean="0">
+                <a:solidFill>
+                  <a:srgbClr val="FF0000"/>
+                </a:solidFill>
+              </a:rPr>
+              <a:t>logs in.</a:t>
+            </a:r>
+            <a:endParaRPr lang="en-US" b="1" dirty="0" smtClean="0">
+              <a:solidFill>
+                <a:srgbClr val="FF0000"/>
+              </a:solidFill>
+            </a:endParaRPr>
           </a:p>
         </p:txBody>
       </p:sp>
@@ -4128,6 +4348,82 @@
           </a:prstGeom>
         </p:spPr>
       </p:pic>
+      <p:sp>
+        <p:nvSpPr>
+          <p:cNvPr id="5" name="CaixaDeTexto 4"/>
+          <p:cNvSpPr txBox="1"/>
+          <p:nvPr/>
+        </p:nvSpPr>
+        <p:spPr>
+          <a:xfrm>
+            <a:off x="3551108" y="5082793"/>
+            <a:ext cx="5911490" cy="369332"/>
+          </a:xfrm>
+          <a:prstGeom prst="rect">
+            <a:avLst/>
+          </a:prstGeom>
+          <a:noFill/>
+        </p:spPr>
+        <p:txBody>
+          <a:bodyPr wrap="none" rtlCol="0">
+            <a:spAutoFit/>
+          </a:bodyPr>
+          <a:lstStyle/>
+          <a:p>
+            <a:r>
+              <a:rPr lang="en-US" b="1" dirty="0" smtClean="0">
+                <a:solidFill>
+                  <a:srgbClr val="FF0000"/>
+                </a:solidFill>
+              </a:rPr>
+              <a:t>Luke can manage projects and accounts from his home page</a:t>
+            </a:r>
+            <a:endParaRPr lang="en-US" b="1" dirty="0" smtClean="0">
+              <a:solidFill>
+                <a:srgbClr val="FF0000"/>
+              </a:solidFill>
+            </a:endParaRPr>
+          </a:p>
+        </p:txBody>
+      </p:sp>
+      <p:sp>
+        <p:nvSpPr>
+          <p:cNvPr id="6" name="CaixaDeTexto 4"/>
+          <p:cNvSpPr txBox="1"/>
+          <p:nvPr/>
+        </p:nvSpPr>
+        <p:spPr>
+          <a:xfrm>
+            <a:off x="6901346" y="3429000"/>
+            <a:ext cx="1773371" cy="369332"/>
+          </a:xfrm>
+          <a:prstGeom prst="rect">
+            <a:avLst/>
+          </a:prstGeom>
+          <a:noFill/>
+        </p:spPr>
+        <p:txBody>
+          <a:bodyPr wrap="none" rtlCol="0">
+            <a:spAutoFit/>
+          </a:bodyPr>
+          <a:lstStyle/>
+          <a:p>
+            <a:r>
+              <a:rPr lang="en-US" b="1" dirty="0" smtClean="0">
+                <a:solidFill>
+                  <a:srgbClr val="FF0000"/>
+                </a:solidFill>
+              </a:rPr>
+              <a:t>Luke is an admin</a:t>
+            </a:r>
+            <a:endParaRPr lang="en-US" b="1" dirty="0" smtClean="0">
+              <a:solidFill>
+                <a:srgbClr val="FF0000"/>
+              </a:solidFill>
+            </a:endParaRPr>
+          </a:p>
+        </p:txBody>
+      </p:sp>
     </p:spTree>
     <p:extLst>
       <p:ext uri="{BB962C8B-B14F-4D97-AF65-F5344CB8AC3E}">
@@ -4236,7 +4532,7 @@
         <p:spPr>
           <a:xfrm>
             <a:off x="4234050" y="3334486"/>
-            <a:ext cx="3149837" cy="369332"/>
+            <a:ext cx="3277629" cy="369332"/>
           </a:xfrm>
           <a:prstGeom prst="rect">
             <a:avLst/>
@@ -4255,7 +4551,23 @@
                   <a:srgbClr val="FF0000"/>
                 </a:solidFill>
               </a:rPr>
-              <a:t>I clicked on “Manage Projects”</a:t>
+              <a:t>He clicks </a:t>
+            </a:r>
+            <a:r>
+              <a:rPr lang="en-US" b="1" dirty="0" smtClean="0">
+                <a:solidFill>
+                  <a:srgbClr val="FF0000"/>
+                </a:solidFill>
+              </a:rPr>
+              <a:t>on </a:t>
+            </a:r>
+            <a:r>
+              <a:rPr lang="en-US" b="1" dirty="0" smtClean="0">
+                <a:solidFill>
+                  <a:srgbClr val="FF0000"/>
+                </a:solidFill>
+              </a:rPr>
+              <a:t>“Manage Projects”</a:t>
             </a:r>
             <a:endParaRPr lang="en-US" b="1" dirty="0">
               <a:solidFill>
@@ -4274,7 +4586,7 @@
         <p:spPr>
           <a:xfrm>
             <a:off x="2820473" y="4752304"/>
-            <a:ext cx="4936801" cy="369332"/>
+            <a:ext cx="6823406" cy="369332"/>
           </a:xfrm>
           <a:prstGeom prst="rect">
             <a:avLst/>
@@ -4292,27 +4604,13 @@
                 <a:solidFill>
                   <a:srgbClr val="FF0000"/>
                 </a:solidFill>
-                <a:effectLst>
-                  <a:outerShdw blurRad="38100" dist="38100" dir="2700000" algn="tl">
-                    <a:srgbClr val="000000">
-                      <a:alpha val="43137"/>
-                    </a:srgbClr>
-                  </a:outerShdw>
-                </a:effectLst>
               </a:rPr>
-              <a:t>Missing: after click in a name, go a editable profile</a:t>
+              <a:t>Not yet implemented: clicking on a project goes to a project edit page</a:t>
             </a:r>
             <a:endParaRPr lang="en-US" b="1" dirty="0">
               <a:solidFill>
                 <a:srgbClr val="FF0000"/>
               </a:solidFill>
-              <a:effectLst>
-                <a:outerShdw blurRad="38100" dist="38100" dir="2700000" algn="tl">
-                  <a:srgbClr val="000000">
-                    <a:alpha val="43137"/>
-                  </a:srgbClr>
-                </a:outerShdw>
-              </a:effectLst>
             </a:endParaRPr>
           </a:p>
         </p:txBody>
@@ -4424,8 +4722,8 @@
         </p:nvSpPr>
         <p:spPr>
           <a:xfrm>
-            <a:off x="4234050" y="3334486"/>
-            <a:ext cx="3199081" cy="369332"/>
+            <a:off x="4234050" y="3461570"/>
+            <a:ext cx="3436005" cy="369332"/>
           </a:xfrm>
           <a:prstGeom prst="rect">
             <a:avLst/>
@@ -4444,7 +4742,23 @@
                   <a:srgbClr val="FF0000"/>
                 </a:solidFill>
               </a:rPr>
-              <a:t>I clicked on “Manage Accounts”</a:t>
+              <a:t>Luke clicks</a:t>
+            </a:r>
+            <a:r>
+              <a:rPr lang="en-US" b="1" dirty="0" smtClean="0">
+                <a:solidFill>
+                  <a:srgbClr val="FF0000"/>
+                </a:solidFill>
+              </a:rPr>
+              <a:t> </a:t>
+            </a:r>
+            <a:r>
+              <a:rPr lang="en-US" b="1" dirty="0" smtClean="0">
+                <a:solidFill>
+                  <a:srgbClr val="FF0000"/>
+                </a:solidFill>
+              </a:rPr>
+              <a:t>on “Manage Accounts”</a:t>
             </a:r>
             <a:endParaRPr lang="en-US" b="1" dirty="0">
               <a:solidFill>
@@ -4463,7 +4777,7 @@
         <p:spPr>
           <a:xfrm>
             <a:off x="2820473" y="4752304"/>
-            <a:ext cx="4936801" cy="369332"/>
+            <a:ext cx="6830973" cy="369332"/>
           </a:xfrm>
           <a:prstGeom prst="rect">
             <a:avLst/>
@@ -4477,31 +4791,49 @@
           <a:lstStyle/>
           <a:p>
             <a:r>
+              <a:rPr lang="en-US" b="1" dirty="0">
+                <a:solidFill>
+                  <a:srgbClr val="FF0000"/>
+                </a:solidFill>
+              </a:rPr>
+              <a:t>Not yet implemented: clicking on a </a:t>
+            </a:r>
+            <a:r>
               <a:rPr lang="en-US" b="1" dirty="0" smtClean="0">
                 <a:solidFill>
                   <a:srgbClr val="FF0000"/>
                 </a:solidFill>
-                <a:effectLst>
-                  <a:outerShdw blurRad="38100" dist="38100" dir="2700000" algn="tl">
-                    <a:srgbClr val="000000">
-                      <a:alpha val="43137"/>
-                    </a:srgbClr>
-                  </a:outerShdw>
-                </a:effectLst>
               </a:rPr>
-              <a:t>Missing: after click in a name, go a editable profile</a:t>
+              <a:t>name goes </a:t>
+            </a:r>
+            <a:r>
+              <a:rPr lang="en-US" b="1" dirty="0">
+                <a:solidFill>
+                  <a:srgbClr val="FF0000"/>
+                </a:solidFill>
+              </a:rPr>
+              <a:t>to </a:t>
+            </a:r>
+            <a:r>
+              <a:rPr lang="en-US" b="1" dirty="0" smtClean="0">
+                <a:solidFill>
+                  <a:srgbClr val="FF0000"/>
+                </a:solidFill>
+              </a:rPr>
+              <a:t>an account edit </a:t>
+            </a:r>
+            <a:r>
+              <a:rPr lang="en-US" b="1" dirty="0">
+                <a:solidFill>
+                  <a:srgbClr val="FF0000"/>
+                </a:solidFill>
+              </a:rPr>
+              <a:t>page</a:t>
             </a:r>
             <a:endParaRPr lang="en-US" b="1" dirty="0">
               <a:solidFill>
                 <a:srgbClr val="FF0000"/>
               </a:solidFill>
-              <a:effectLst>
-                <a:outerShdw blurRad="38100" dist="38100" dir="2700000" algn="tl">
-                  <a:srgbClr val="000000">
-                    <a:alpha val="43137"/>
-                  </a:srgbClr>
-                </a:outerShdw>
-              </a:effectLst>
             </a:endParaRPr>
           </a:p>
         </p:txBody>
@@ -4569,7 +4901,7 @@
     </a:clrScheme>
     <a:fontScheme name="Escritório">
       <a:majorFont>
-        <a:latin typeface="Calibri Light" panose="020F0302020204030204"/>
+        <a:latin typeface="Calibri Light"/>
         <a:ea typeface=""/>
         <a:cs typeface=""/>
         <a:font script="Jpan" typeface="ＭＳ Ｐゴシック"/>
@@ -4604,7 +4936,7 @@
         <a:font script="Geor" typeface="Sylfaen"/>
       </a:majorFont>
       <a:minorFont>
-        <a:latin typeface="Calibri" panose="020F0502020204030204"/>
+        <a:latin typeface="Calibri"/>
         <a:ea typeface=""/>
         <a:cs typeface=""/>
         <a:font script="Jpan" typeface="ＭＳ Ｐゴシック"/>
@@ -4781,7 +5113,7 @@
   <a:extraClrSchemeLst/>
   <a:extLst>
     <a:ext uri="{05A4C25C-085E-4340-85A3-A5531E510DB2}">
-      <thm15:themeFamily xmlns:thm15="http://schemas.microsoft.com/office/thememl/2012/main" name="Office Theme" id="{62F939B6-93AF-4DB8-9C6B-D6C7DFDC589F}" vid="{4A3C46E8-61CC-4603-A589-7422A47A8E4A}"/>
+      <thm15:themeFamily xmlns:thm15="http://schemas.microsoft.com/office/thememl/2012/main" xmlns="" name="Office Theme" id="{62F939B6-93AF-4DB8-9C6B-D6C7DFDC589F}" vid="{4A3C46E8-61CC-4603-A589-7422A47A8E4A}"/>
     </a:ext>
   </a:extLst>
 </a:theme>

--- a/done parts.pptx
+++ b/done parts.pptx
@@ -16,6 +16,12 @@
     <p:sldId id="264" r:id="rId10"/>
     <p:sldId id="265" r:id="rId11"/>
     <p:sldId id="266" r:id="rId12"/>
+    <p:sldId id="267" r:id="rId13"/>
+    <p:sldId id="268" r:id="rId14"/>
+    <p:sldId id="269" r:id="rId15"/>
+    <p:sldId id="270" r:id="rId16"/>
+    <p:sldId id="271" r:id="rId17"/>
+    <p:sldId id="272" r:id="rId18"/>
   </p:sldIdLst>
   <p:sldSz cx="12192000" cy="6858000"/>
   <p:notesSz cx="6858000" cy="9144000"/>
@@ -3074,11 +3080,6 @@
               </a:rPr>
               <a:t> logs in.</a:t>
             </a:r>
-            <a:endParaRPr lang="en-US" b="1" dirty="0" smtClean="0">
-              <a:solidFill>
-                <a:srgbClr val="FF0000"/>
-              </a:solidFill>
-            </a:endParaRPr>
           </a:p>
         </p:txBody>
       </p:sp>
@@ -3209,31 +3210,7 @@
                   <a:srgbClr val="FF0000"/>
                 </a:solidFill>
               </a:rPr>
-              <a:t>Luke clicks</a:t>
-            </a:r>
-            <a:r>
-              <a:rPr lang="en-US" b="1" dirty="0" smtClean="0">
-                <a:solidFill>
-                  <a:srgbClr val="FF0000"/>
-                </a:solidFill>
-              </a:rPr>
-              <a:t> </a:t>
-            </a:r>
-            <a:r>
-              <a:rPr lang="en-US" b="1" dirty="0" smtClean="0">
-                <a:solidFill>
-                  <a:srgbClr val="FF0000"/>
-                </a:solidFill>
-              </a:rPr>
-              <a:t>on “Create new </a:t>
-            </a:r>
-            <a:r>
-              <a:rPr lang="en-US" b="1" dirty="0" smtClean="0">
-                <a:solidFill>
-                  <a:srgbClr val="FF0000"/>
-                </a:solidFill>
-              </a:rPr>
-              <a:t>Account.” Now he can add a new employee, supervisor, or admin</a:t>
+              <a:t>Luke clicks on “Create new Account.” Now he can add a new employee, supervisor, or admin</a:t>
             </a:r>
             <a:endParaRPr lang="en-US" b="1" dirty="0">
               <a:solidFill>
@@ -3372,6 +3349,138 @@
               </a:rPr>
               <a:t>Confirmation page tells Luke it succeeded</a:t>
             </a:r>
+          </a:p>
+        </p:txBody>
+      </p:sp>
+    </p:spTree>
+    <p:extLst>
+      <p:ext uri="{BB962C8B-B14F-4D97-AF65-F5344CB8AC3E}">
+        <p14:creationId xmlns:p14="http://schemas.microsoft.com/office/powerpoint/2010/main" val="2688225314"/>
+      </p:ext>
+    </p:extLst>
+  </p:cSld>
+  <p:clrMapOvr>
+    <a:masterClrMapping/>
+  </p:clrMapOvr>
+  <p:timing>
+    <p:tnLst>
+      <p:par>
+        <p:cTn id="1" dur="indefinite" restart="never" nodeType="tmRoot"/>
+      </p:par>
+    </p:tnLst>
+  </p:timing>
+</p:sld>
+</file>
+
+<file path=ppt/slides/slide12.xml><?xml version="1.0" encoding="utf-8"?>
+<p:sld xmlns:a="http://schemas.openxmlformats.org/drawingml/2006/main" xmlns:r="http://schemas.openxmlformats.org/officeDocument/2006/relationships" xmlns:p="http://schemas.openxmlformats.org/presentationml/2006/main">
+  <p:cSld>
+    <p:spTree>
+      <p:nvGrpSpPr>
+        <p:cNvPr id="1" name=""/>
+        <p:cNvGrpSpPr/>
+        <p:nvPr/>
+      </p:nvGrpSpPr>
+      <p:grpSpPr>
+        <a:xfrm>
+          <a:off x="0" y="0"/>
+          <a:ext cx="0" cy="0"/>
+          <a:chOff x="0" y="0"/>
+          <a:chExt cx="0" cy="0"/>
+        </a:xfrm>
+      </p:grpSpPr>
+      <p:sp>
+        <p:nvSpPr>
+          <p:cNvPr id="2" name="Título 1"/>
+          <p:cNvSpPr>
+            <a:spLocks noGrp="1"/>
+          </p:cNvSpPr>
+          <p:nvPr>
+            <p:ph type="title"/>
+          </p:nvPr>
+        </p:nvSpPr>
+        <p:spPr/>
+        <p:txBody>
+          <a:bodyPr/>
+          <a:lstStyle/>
+          <a:p>
+            <a:endParaRPr lang="en-US"/>
+          </a:p>
+        </p:txBody>
+      </p:sp>
+      <p:sp>
+        <p:nvSpPr>
+          <p:cNvPr id="3" name="Espaço Reservado para Conteúdo 2"/>
+          <p:cNvSpPr>
+            <a:spLocks noGrp="1"/>
+          </p:cNvSpPr>
+          <p:nvPr>
+            <p:ph idx="1"/>
+          </p:nvPr>
+        </p:nvSpPr>
+        <p:spPr/>
+        <p:txBody>
+          <a:bodyPr/>
+          <a:lstStyle/>
+          <a:p>
+            <a:endParaRPr lang="en-US"/>
+          </a:p>
+        </p:txBody>
+      </p:sp>
+      <p:pic>
+        <p:nvPicPr>
+          <p:cNvPr id="4" name="Imagem 3"/>
+          <p:cNvPicPr>
+            <a:picLocks noChangeAspect="1"/>
+          </p:cNvPicPr>
+          <p:nvPr/>
+        </p:nvPicPr>
+        <p:blipFill>
+          <a:blip r:embed="rId2"/>
+          <a:stretch>
+            <a:fillRect/>
+          </a:stretch>
+        </p:blipFill>
+        <p:spPr>
+          <a:xfrm>
+            <a:off x="-409575" y="-228600"/>
+            <a:ext cx="13011150" cy="7315200"/>
+          </a:xfrm>
+          <a:prstGeom prst="rect">
+            <a:avLst/>
+          </a:prstGeom>
+        </p:spPr>
+      </p:pic>
+      <p:sp>
+        <p:nvSpPr>
+          <p:cNvPr id="5" name="CaixaDeTexto 4"/>
+          <p:cNvSpPr txBox="1"/>
+          <p:nvPr/>
+        </p:nvSpPr>
+        <p:spPr>
+          <a:xfrm>
+            <a:off x="8332631" y="4790941"/>
+            <a:ext cx="1394869" cy="369332"/>
+          </a:xfrm>
+          <a:prstGeom prst="rect">
+            <a:avLst/>
+          </a:prstGeom>
+          <a:noFill/>
+        </p:spPr>
+        <p:txBody>
+          <a:bodyPr wrap="none" rtlCol="0">
+            <a:spAutoFit/>
+          </a:bodyPr>
+          <a:lstStyle/>
+          <a:p>
+            <a:r>
+              <a:rPr lang="en-US" b="1" dirty="0" smtClean="0">
+                <a:solidFill>
+                  <a:srgbClr val="FF0000"/>
+                </a:solidFill>
+              </a:rPr>
+              <a:t>David logs in</a:t>
+            </a:r>
             <a:endParaRPr lang="en-US" b="1" dirty="0" smtClean="0">
               <a:solidFill>
                 <a:srgbClr val="FF0000"/>
@@ -3383,7 +3492,1000 @@
     </p:spTree>
     <p:extLst>
       <p:ext uri="{BB962C8B-B14F-4D97-AF65-F5344CB8AC3E}">
-        <p14:creationId xmlns:p14="http://schemas.microsoft.com/office/powerpoint/2010/main" val="2688225314"/>
+        <p14:creationId xmlns:p14="http://schemas.microsoft.com/office/powerpoint/2010/main" val="3243727631"/>
+      </p:ext>
+    </p:extLst>
+  </p:cSld>
+  <p:clrMapOvr>
+    <a:masterClrMapping/>
+  </p:clrMapOvr>
+  <p:timing>
+    <p:tnLst>
+      <p:par>
+        <p:cTn id="1" dur="indefinite" restart="never" nodeType="tmRoot"/>
+      </p:par>
+    </p:tnLst>
+  </p:timing>
+</p:sld>
+</file>
+
+<file path=ppt/slides/slide13.xml><?xml version="1.0" encoding="utf-8"?>
+<p:sld xmlns:a="http://schemas.openxmlformats.org/drawingml/2006/main" xmlns:r="http://schemas.openxmlformats.org/officeDocument/2006/relationships" xmlns:p="http://schemas.openxmlformats.org/presentationml/2006/main">
+  <p:cSld>
+    <p:spTree>
+      <p:nvGrpSpPr>
+        <p:cNvPr id="1" name=""/>
+        <p:cNvGrpSpPr/>
+        <p:nvPr/>
+      </p:nvGrpSpPr>
+      <p:grpSpPr>
+        <a:xfrm>
+          <a:off x="0" y="0"/>
+          <a:ext cx="0" cy="0"/>
+          <a:chOff x="0" y="0"/>
+          <a:chExt cx="0" cy="0"/>
+        </a:xfrm>
+      </p:grpSpPr>
+      <p:sp>
+        <p:nvSpPr>
+          <p:cNvPr id="2" name="Título 1"/>
+          <p:cNvSpPr>
+            <a:spLocks noGrp="1"/>
+          </p:cNvSpPr>
+          <p:nvPr>
+            <p:ph type="title"/>
+          </p:nvPr>
+        </p:nvSpPr>
+        <p:spPr/>
+        <p:txBody>
+          <a:bodyPr/>
+          <a:lstStyle/>
+          <a:p>
+            <a:endParaRPr lang="en-US"/>
+          </a:p>
+        </p:txBody>
+      </p:sp>
+      <p:sp>
+        <p:nvSpPr>
+          <p:cNvPr id="3" name="Espaço Reservado para Conteúdo 2"/>
+          <p:cNvSpPr>
+            <a:spLocks noGrp="1"/>
+          </p:cNvSpPr>
+          <p:nvPr>
+            <p:ph idx="1"/>
+          </p:nvPr>
+        </p:nvSpPr>
+        <p:spPr/>
+        <p:txBody>
+          <a:bodyPr/>
+          <a:lstStyle/>
+          <a:p>
+            <a:endParaRPr lang="en-US"/>
+          </a:p>
+        </p:txBody>
+      </p:sp>
+      <p:pic>
+        <p:nvPicPr>
+          <p:cNvPr id="4" name="Imagem 3"/>
+          <p:cNvPicPr>
+            <a:picLocks noChangeAspect="1"/>
+          </p:cNvPicPr>
+          <p:nvPr/>
+        </p:nvPicPr>
+        <p:blipFill>
+          <a:blip r:embed="rId2"/>
+          <a:stretch>
+            <a:fillRect/>
+          </a:stretch>
+        </p:blipFill>
+        <p:spPr>
+          <a:xfrm>
+            <a:off x="-409575" y="-228600"/>
+            <a:ext cx="13011150" cy="7315200"/>
+          </a:xfrm>
+          <a:prstGeom prst="rect">
+            <a:avLst/>
+          </a:prstGeom>
+        </p:spPr>
+      </p:pic>
+      <p:sp>
+        <p:nvSpPr>
+          <p:cNvPr id="5" name="Chave direita 4"/>
+          <p:cNvSpPr/>
+          <p:nvPr/>
+        </p:nvSpPr>
+        <p:spPr>
+          <a:xfrm>
+            <a:off x="2884868" y="4031087"/>
+            <a:ext cx="412124" cy="914400"/>
+          </a:xfrm>
+          <a:prstGeom prst="rightBrace">
+            <a:avLst/>
+          </a:prstGeom>
+          <a:ln w="38100"/>
+        </p:spPr>
+        <p:style>
+          <a:lnRef idx="1">
+            <a:schemeClr val="accent1"/>
+          </a:lnRef>
+          <a:fillRef idx="0">
+            <a:schemeClr val="accent1"/>
+          </a:fillRef>
+          <a:effectRef idx="0">
+            <a:schemeClr val="accent1"/>
+          </a:effectRef>
+          <a:fontRef idx="minor">
+            <a:schemeClr val="tx1"/>
+          </a:fontRef>
+        </p:style>
+        <p:txBody>
+          <a:bodyPr rtlCol="0" anchor="ctr"/>
+          <a:lstStyle/>
+          <a:p>
+            <a:pPr algn="ctr"/>
+            <a:endParaRPr lang="en-US"/>
+          </a:p>
+        </p:txBody>
+      </p:sp>
+      <p:sp>
+        <p:nvSpPr>
+          <p:cNvPr id="6" name="CaixaDeTexto 5"/>
+          <p:cNvSpPr txBox="1"/>
+          <p:nvPr/>
+        </p:nvSpPr>
+        <p:spPr>
+          <a:xfrm>
+            <a:off x="3696237" y="4303621"/>
+            <a:ext cx="5183727" cy="369332"/>
+          </a:xfrm>
+          <a:prstGeom prst="rect">
+            <a:avLst/>
+          </a:prstGeom>
+          <a:noFill/>
+        </p:spPr>
+        <p:txBody>
+          <a:bodyPr wrap="none" rtlCol="0">
+            <a:spAutoFit/>
+          </a:bodyPr>
+          <a:lstStyle/>
+          <a:p>
+            <a:r>
+              <a:rPr lang="en-US" b="1" dirty="0" smtClean="0">
+                <a:solidFill>
+                  <a:srgbClr val="FF0000"/>
+                </a:solidFill>
+              </a:rPr>
+              <a:t>List of projects that this employee is participating in.</a:t>
+            </a:r>
+            <a:endParaRPr lang="en-US" b="1" dirty="0">
+              <a:solidFill>
+                <a:srgbClr val="FF0000"/>
+              </a:solidFill>
+            </a:endParaRPr>
+          </a:p>
+        </p:txBody>
+      </p:sp>
+      <p:sp>
+        <p:nvSpPr>
+          <p:cNvPr id="7" name="Elipse 6"/>
+          <p:cNvSpPr/>
+          <p:nvPr/>
+        </p:nvSpPr>
+        <p:spPr>
+          <a:xfrm>
+            <a:off x="669701" y="4134118"/>
+            <a:ext cx="2060620" cy="367048"/>
+          </a:xfrm>
+          <a:prstGeom prst="ellipse">
+            <a:avLst/>
+          </a:prstGeom>
+          <a:noFill/>
+          <a:ln w="57150">
+            <a:solidFill>
+              <a:srgbClr val="92D050"/>
+            </a:solidFill>
+          </a:ln>
+        </p:spPr>
+        <p:style>
+          <a:lnRef idx="2">
+            <a:schemeClr val="accent1">
+              <a:shade val="50000"/>
+            </a:schemeClr>
+          </a:lnRef>
+          <a:fillRef idx="1">
+            <a:schemeClr val="accent1"/>
+          </a:fillRef>
+          <a:effectRef idx="0">
+            <a:schemeClr val="accent1"/>
+          </a:effectRef>
+          <a:fontRef idx="minor">
+            <a:schemeClr val="lt1"/>
+          </a:fontRef>
+        </p:style>
+        <p:txBody>
+          <a:bodyPr rtlCol="0" anchor="ctr"/>
+          <a:lstStyle/>
+          <a:p>
+            <a:pPr algn="ctr"/>
+            <a:endParaRPr lang="en-US"/>
+          </a:p>
+        </p:txBody>
+      </p:sp>
+      <p:sp>
+        <p:nvSpPr>
+          <p:cNvPr id="8" name="CaixaDeTexto 5"/>
+          <p:cNvSpPr txBox="1"/>
+          <p:nvPr/>
+        </p:nvSpPr>
+        <p:spPr>
+          <a:xfrm>
+            <a:off x="3848637" y="3592421"/>
+            <a:ext cx="6539547" cy="369332"/>
+          </a:xfrm>
+          <a:prstGeom prst="rect">
+            <a:avLst/>
+          </a:prstGeom>
+          <a:noFill/>
+        </p:spPr>
+        <p:txBody>
+          <a:bodyPr wrap="none" rtlCol="0">
+            <a:spAutoFit/>
+          </a:bodyPr>
+          <a:lstStyle/>
+          <a:p>
+            <a:r>
+              <a:rPr lang="en-US" b="1" dirty="0" smtClean="0">
+                <a:solidFill>
+                  <a:srgbClr val="FF0000"/>
+                </a:solidFill>
+              </a:rPr>
+              <a:t>David is an ordinary employee. He only sees his own open projects.</a:t>
+            </a:r>
+            <a:endParaRPr lang="en-US" b="1" dirty="0">
+              <a:solidFill>
+                <a:srgbClr val="FF0000"/>
+              </a:solidFill>
+            </a:endParaRPr>
+          </a:p>
+        </p:txBody>
+      </p:sp>
+    </p:spTree>
+    <p:extLst>
+      <p:ext uri="{BB962C8B-B14F-4D97-AF65-F5344CB8AC3E}">
+        <p14:creationId xmlns:p14="http://schemas.microsoft.com/office/powerpoint/2010/main" val="4197146509"/>
+      </p:ext>
+    </p:extLst>
+  </p:cSld>
+  <p:clrMapOvr>
+    <a:masterClrMapping/>
+  </p:clrMapOvr>
+  <p:timing>
+    <p:tnLst>
+      <p:par>
+        <p:cTn id="1" dur="indefinite" restart="never" nodeType="tmRoot"/>
+      </p:par>
+    </p:tnLst>
+  </p:timing>
+</p:sld>
+</file>
+
+<file path=ppt/slides/slide14.xml><?xml version="1.0" encoding="utf-8"?>
+<p:sld xmlns:a="http://schemas.openxmlformats.org/drawingml/2006/main" xmlns:r="http://schemas.openxmlformats.org/officeDocument/2006/relationships" xmlns:p="http://schemas.openxmlformats.org/presentationml/2006/main">
+  <p:cSld>
+    <p:spTree>
+      <p:nvGrpSpPr>
+        <p:cNvPr id="1" name=""/>
+        <p:cNvGrpSpPr/>
+        <p:nvPr/>
+      </p:nvGrpSpPr>
+      <p:grpSpPr>
+        <a:xfrm>
+          <a:off x="0" y="0"/>
+          <a:ext cx="0" cy="0"/>
+          <a:chOff x="0" y="0"/>
+          <a:chExt cx="0" cy="0"/>
+        </a:xfrm>
+      </p:grpSpPr>
+      <p:sp>
+        <p:nvSpPr>
+          <p:cNvPr id="2" name="Título 1"/>
+          <p:cNvSpPr>
+            <a:spLocks noGrp="1"/>
+          </p:cNvSpPr>
+          <p:nvPr>
+            <p:ph type="title"/>
+          </p:nvPr>
+        </p:nvSpPr>
+        <p:spPr/>
+        <p:txBody>
+          <a:bodyPr/>
+          <a:lstStyle/>
+          <a:p>
+            <a:endParaRPr lang="en-US"/>
+          </a:p>
+        </p:txBody>
+      </p:sp>
+      <p:sp>
+        <p:nvSpPr>
+          <p:cNvPr id="3" name="Espaço Reservado para Conteúdo 2"/>
+          <p:cNvSpPr>
+            <a:spLocks noGrp="1"/>
+          </p:cNvSpPr>
+          <p:nvPr>
+            <p:ph idx="1"/>
+          </p:nvPr>
+        </p:nvSpPr>
+        <p:spPr/>
+        <p:txBody>
+          <a:bodyPr/>
+          <a:lstStyle/>
+          <a:p>
+            <a:endParaRPr lang="en-US"/>
+          </a:p>
+        </p:txBody>
+      </p:sp>
+      <p:pic>
+        <p:nvPicPr>
+          <p:cNvPr id="4" name="Imagem 3"/>
+          <p:cNvPicPr>
+            <a:picLocks noChangeAspect="1"/>
+          </p:cNvPicPr>
+          <p:nvPr/>
+        </p:nvPicPr>
+        <p:blipFill>
+          <a:blip r:embed="rId2"/>
+          <a:stretch>
+            <a:fillRect/>
+          </a:stretch>
+        </p:blipFill>
+        <p:spPr>
+          <a:xfrm>
+            <a:off x="-409575" y="-228600"/>
+            <a:ext cx="13011150" cy="7315200"/>
+          </a:xfrm>
+          <a:prstGeom prst="rect">
+            <a:avLst/>
+          </a:prstGeom>
+        </p:spPr>
+      </p:pic>
+      <p:sp>
+        <p:nvSpPr>
+          <p:cNvPr id="5" name="Chave direita 4"/>
+          <p:cNvSpPr/>
+          <p:nvPr/>
+        </p:nvSpPr>
+        <p:spPr>
+          <a:xfrm>
+            <a:off x="2472746" y="4108360"/>
+            <a:ext cx="592428" cy="1171977"/>
+          </a:xfrm>
+          <a:prstGeom prst="rightBrace">
+            <a:avLst/>
+          </a:prstGeom>
+          <a:ln w="38100"/>
+        </p:spPr>
+        <p:style>
+          <a:lnRef idx="1">
+            <a:schemeClr val="accent1"/>
+          </a:lnRef>
+          <a:fillRef idx="0">
+            <a:schemeClr val="accent1"/>
+          </a:fillRef>
+          <a:effectRef idx="0">
+            <a:schemeClr val="accent1"/>
+          </a:effectRef>
+          <a:fontRef idx="minor">
+            <a:schemeClr val="tx1"/>
+          </a:fontRef>
+        </p:style>
+        <p:txBody>
+          <a:bodyPr rtlCol="0" anchor="ctr"/>
+          <a:lstStyle/>
+          <a:p>
+            <a:pPr algn="ctr"/>
+            <a:endParaRPr lang="en-US"/>
+          </a:p>
+        </p:txBody>
+      </p:sp>
+      <p:sp>
+        <p:nvSpPr>
+          <p:cNvPr id="6" name="CaixaDeTexto 5"/>
+          <p:cNvSpPr txBox="1"/>
+          <p:nvPr/>
+        </p:nvSpPr>
+        <p:spPr>
+          <a:xfrm>
+            <a:off x="3288893" y="4514045"/>
+            <a:ext cx="2613729" cy="369332"/>
+          </a:xfrm>
+          <a:prstGeom prst="rect">
+            <a:avLst/>
+          </a:prstGeom>
+          <a:noFill/>
+        </p:spPr>
+        <p:txBody>
+          <a:bodyPr wrap="none" rtlCol="0">
+            <a:spAutoFit/>
+          </a:bodyPr>
+          <a:lstStyle/>
+          <a:p>
+            <a:r>
+              <a:rPr lang="en-US" b="1" dirty="0" smtClean="0">
+                <a:solidFill>
+                  <a:srgbClr val="FF0000"/>
+                </a:solidFill>
+              </a:rPr>
+              <a:t>Peers in the same project</a:t>
+            </a:r>
+            <a:endParaRPr lang="en-US" b="1" dirty="0">
+              <a:solidFill>
+                <a:srgbClr val="FF0000"/>
+              </a:solidFill>
+            </a:endParaRPr>
+          </a:p>
+        </p:txBody>
+      </p:sp>
+      <p:sp>
+        <p:nvSpPr>
+          <p:cNvPr id="7" name="Elipse 6"/>
+          <p:cNvSpPr/>
+          <p:nvPr/>
+        </p:nvSpPr>
+        <p:spPr>
+          <a:xfrm>
+            <a:off x="451297" y="4146997"/>
+            <a:ext cx="2060620" cy="367048"/>
+          </a:xfrm>
+          <a:prstGeom prst="ellipse">
+            <a:avLst/>
+          </a:prstGeom>
+          <a:noFill/>
+          <a:ln w="57150">
+            <a:solidFill>
+              <a:srgbClr val="92D050"/>
+            </a:solidFill>
+          </a:ln>
+        </p:spPr>
+        <p:style>
+          <a:lnRef idx="2">
+            <a:schemeClr val="accent1">
+              <a:shade val="50000"/>
+            </a:schemeClr>
+          </a:lnRef>
+          <a:fillRef idx="1">
+            <a:schemeClr val="accent1"/>
+          </a:fillRef>
+          <a:effectRef idx="0">
+            <a:schemeClr val="accent1"/>
+          </a:effectRef>
+          <a:fontRef idx="minor">
+            <a:schemeClr val="lt1"/>
+          </a:fontRef>
+        </p:style>
+        <p:txBody>
+          <a:bodyPr rtlCol="0" anchor="ctr"/>
+          <a:lstStyle/>
+          <a:p>
+            <a:pPr algn="ctr"/>
+            <a:endParaRPr lang="en-US"/>
+          </a:p>
+        </p:txBody>
+      </p:sp>
+    </p:spTree>
+    <p:extLst>
+      <p:ext uri="{BB962C8B-B14F-4D97-AF65-F5344CB8AC3E}">
+        <p14:creationId xmlns:p14="http://schemas.microsoft.com/office/powerpoint/2010/main" val="224486443"/>
+      </p:ext>
+    </p:extLst>
+  </p:cSld>
+  <p:clrMapOvr>
+    <a:masterClrMapping/>
+  </p:clrMapOvr>
+  <p:timing>
+    <p:tnLst>
+      <p:par>
+        <p:cTn id="1" dur="indefinite" restart="never" nodeType="tmRoot"/>
+      </p:par>
+    </p:tnLst>
+  </p:timing>
+</p:sld>
+</file>
+
+<file path=ppt/slides/slide15.xml><?xml version="1.0" encoding="utf-8"?>
+<p:sld xmlns:a="http://schemas.openxmlformats.org/drawingml/2006/main" xmlns:r="http://schemas.openxmlformats.org/officeDocument/2006/relationships" xmlns:p="http://schemas.openxmlformats.org/presentationml/2006/main">
+  <p:cSld>
+    <p:spTree>
+      <p:nvGrpSpPr>
+        <p:cNvPr id="1" name=""/>
+        <p:cNvGrpSpPr/>
+        <p:nvPr/>
+      </p:nvGrpSpPr>
+      <p:grpSpPr>
+        <a:xfrm>
+          <a:off x="0" y="0"/>
+          <a:ext cx="0" cy="0"/>
+          <a:chOff x="0" y="0"/>
+          <a:chExt cx="0" cy="0"/>
+        </a:xfrm>
+      </p:grpSpPr>
+      <p:sp>
+        <p:nvSpPr>
+          <p:cNvPr id="2" name="Título 1"/>
+          <p:cNvSpPr>
+            <a:spLocks noGrp="1"/>
+          </p:cNvSpPr>
+          <p:nvPr>
+            <p:ph type="title"/>
+          </p:nvPr>
+        </p:nvSpPr>
+        <p:spPr/>
+        <p:txBody>
+          <a:bodyPr/>
+          <a:lstStyle/>
+          <a:p>
+            <a:endParaRPr lang="en-US"/>
+          </a:p>
+        </p:txBody>
+      </p:sp>
+      <p:sp>
+        <p:nvSpPr>
+          <p:cNvPr id="3" name="Espaço Reservado para Conteúdo 2"/>
+          <p:cNvSpPr>
+            <a:spLocks noGrp="1"/>
+          </p:cNvSpPr>
+          <p:nvPr>
+            <p:ph idx="1"/>
+          </p:nvPr>
+        </p:nvSpPr>
+        <p:spPr/>
+        <p:txBody>
+          <a:bodyPr/>
+          <a:lstStyle/>
+          <a:p>
+            <a:endParaRPr lang="en-US"/>
+          </a:p>
+        </p:txBody>
+      </p:sp>
+      <p:pic>
+        <p:nvPicPr>
+          <p:cNvPr id="5" name="Imagem 4"/>
+          <p:cNvPicPr>
+            <a:picLocks noChangeAspect="1"/>
+          </p:cNvPicPr>
+          <p:nvPr/>
+        </p:nvPicPr>
+        <p:blipFill>
+          <a:blip r:embed="rId2"/>
+          <a:stretch>
+            <a:fillRect/>
+          </a:stretch>
+        </p:blipFill>
+        <p:spPr>
+          <a:xfrm>
+            <a:off x="-409575" y="-228600"/>
+            <a:ext cx="13011150" cy="7315200"/>
+          </a:xfrm>
+          <a:prstGeom prst="rect">
+            <a:avLst/>
+          </a:prstGeom>
+        </p:spPr>
+      </p:pic>
+      <p:sp>
+        <p:nvSpPr>
+          <p:cNvPr id="6" name="CaixaDeTexto 5"/>
+          <p:cNvSpPr txBox="1"/>
+          <p:nvPr/>
+        </p:nvSpPr>
+        <p:spPr>
+          <a:xfrm>
+            <a:off x="3696237" y="442821"/>
+            <a:ext cx="2939331" cy="369332"/>
+          </a:xfrm>
+          <a:prstGeom prst="rect">
+            <a:avLst/>
+          </a:prstGeom>
+          <a:noFill/>
+        </p:spPr>
+        <p:txBody>
+          <a:bodyPr wrap="none" rtlCol="0">
+            <a:spAutoFit/>
+          </a:bodyPr>
+          <a:lstStyle/>
+          <a:p>
+            <a:r>
+              <a:rPr lang="en-US" b="1" dirty="0" smtClean="0">
+                <a:solidFill>
+                  <a:srgbClr val="FF0000"/>
+                </a:solidFill>
+              </a:rPr>
+              <a:t>David can evaluate his peers.</a:t>
+            </a:r>
+            <a:endParaRPr lang="en-US" b="1" dirty="0">
+              <a:solidFill>
+                <a:srgbClr val="FF0000"/>
+              </a:solidFill>
+            </a:endParaRPr>
+          </a:p>
+        </p:txBody>
+      </p:sp>
+    </p:spTree>
+    <p:extLst>
+      <p:ext uri="{BB962C8B-B14F-4D97-AF65-F5344CB8AC3E}">
+        <p14:creationId xmlns:p14="http://schemas.microsoft.com/office/powerpoint/2010/main" val="1404399831"/>
+      </p:ext>
+    </p:extLst>
+  </p:cSld>
+  <p:clrMapOvr>
+    <a:masterClrMapping/>
+  </p:clrMapOvr>
+  <p:timing>
+    <p:tnLst>
+      <p:par>
+        <p:cTn id="1" dur="indefinite" restart="never" nodeType="tmRoot"/>
+      </p:par>
+    </p:tnLst>
+  </p:timing>
+</p:sld>
+</file>
+
+<file path=ppt/slides/slide16.xml><?xml version="1.0" encoding="utf-8"?>
+<p:sld xmlns:a="http://schemas.openxmlformats.org/drawingml/2006/main" xmlns:r="http://schemas.openxmlformats.org/officeDocument/2006/relationships" xmlns:p="http://schemas.openxmlformats.org/presentationml/2006/main">
+  <p:cSld>
+    <p:spTree>
+      <p:nvGrpSpPr>
+        <p:cNvPr id="1" name=""/>
+        <p:cNvGrpSpPr/>
+        <p:nvPr/>
+      </p:nvGrpSpPr>
+      <p:grpSpPr>
+        <a:xfrm>
+          <a:off x="0" y="0"/>
+          <a:ext cx="0" cy="0"/>
+          <a:chOff x="0" y="0"/>
+          <a:chExt cx="0" cy="0"/>
+        </a:xfrm>
+      </p:grpSpPr>
+      <p:sp>
+        <p:nvSpPr>
+          <p:cNvPr id="2" name="Título 1"/>
+          <p:cNvSpPr>
+            <a:spLocks noGrp="1"/>
+          </p:cNvSpPr>
+          <p:nvPr>
+            <p:ph type="title"/>
+          </p:nvPr>
+        </p:nvSpPr>
+        <p:spPr/>
+        <p:txBody>
+          <a:bodyPr/>
+          <a:lstStyle/>
+          <a:p>
+            <a:endParaRPr lang="en-US"/>
+          </a:p>
+        </p:txBody>
+      </p:sp>
+      <p:sp>
+        <p:nvSpPr>
+          <p:cNvPr id="3" name="Espaço Reservado para Conteúdo 2"/>
+          <p:cNvSpPr>
+            <a:spLocks noGrp="1"/>
+          </p:cNvSpPr>
+          <p:nvPr>
+            <p:ph idx="1"/>
+          </p:nvPr>
+        </p:nvSpPr>
+        <p:spPr/>
+        <p:txBody>
+          <a:bodyPr/>
+          <a:lstStyle/>
+          <a:p>
+            <a:endParaRPr lang="en-US"/>
+          </a:p>
+        </p:txBody>
+      </p:sp>
+      <p:pic>
+        <p:nvPicPr>
+          <p:cNvPr id="4" name="Imagem 3"/>
+          <p:cNvPicPr>
+            <a:picLocks noChangeAspect="1"/>
+          </p:cNvPicPr>
+          <p:nvPr/>
+        </p:nvPicPr>
+        <p:blipFill>
+          <a:blip r:embed="rId2"/>
+          <a:stretch>
+            <a:fillRect/>
+          </a:stretch>
+        </p:blipFill>
+        <p:spPr>
+          <a:xfrm>
+            <a:off x="-409575" y="-228600"/>
+            <a:ext cx="13011150" cy="7315200"/>
+          </a:xfrm>
+          <a:prstGeom prst="rect">
+            <a:avLst/>
+          </a:prstGeom>
+        </p:spPr>
+      </p:pic>
+      <p:sp>
+        <p:nvSpPr>
+          <p:cNvPr id="5" name="Elipse 4"/>
+          <p:cNvSpPr/>
+          <p:nvPr/>
+        </p:nvSpPr>
+        <p:spPr>
+          <a:xfrm>
+            <a:off x="476518" y="5537915"/>
+            <a:ext cx="1197736" cy="978794"/>
+          </a:xfrm>
+          <a:prstGeom prst="ellipse">
+            <a:avLst/>
+          </a:prstGeom>
+          <a:noFill/>
+          <a:ln w="76200">
+            <a:solidFill>
+              <a:srgbClr val="92D050"/>
+            </a:solidFill>
+          </a:ln>
+        </p:spPr>
+        <p:style>
+          <a:lnRef idx="2">
+            <a:schemeClr val="accent1">
+              <a:shade val="50000"/>
+            </a:schemeClr>
+          </a:lnRef>
+          <a:fillRef idx="1">
+            <a:schemeClr val="accent1"/>
+          </a:fillRef>
+          <a:effectRef idx="0">
+            <a:schemeClr val="accent1"/>
+          </a:effectRef>
+          <a:fontRef idx="minor">
+            <a:schemeClr val="lt1"/>
+          </a:fontRef>
+        </p:style>
+        <p:txBody>
+          <a:bodyPr rtlCol="0" anchor="ctr"/>
+          <a:lstStyle/>
+          <a:p>
+            <a:pPr algn="ctr"/>
+            <a:endParaRPr lang="en-US"/>
+          </a:p>
+        </p:txBody>
+      </p:sp>
+      <p:sp>
+        <p:nvSpPr>
+          <p:cNvPr id="6" name="CaixaDeTexto 5"/>
+          <p:cNvSpPr txBox="1"/>
+          <p:nvPr/>
+        </p:nvSpPr>
+        <p:spPr>
+          <a:xfrm>
+            <a:off x="2121437" y="5842646"/>
+            <a:ext cx="3029676" cy="369332"/>
+          </a:xfrm>
+          <a:prstGeom prst="rect">
+            <a:avLst/>
+          </a:prstGeom>
+          <a:noFill/>
+        </p:spPr>
+        <p:txBody>
+          <a:bodyPr wrap="none" rtlCol="0">
+            <a:spAutoFit/>
+          </a:bodyPr>
+          <a:lstStyle/>
+          <a:p>
+            <a:r>
+              <a:rPr lang="en-US" b="1" dirty="0" smtClean="0">
+                <a:solidFill>
+                  <a:srgbClr val="FF0000"/>
+                </a:solidFill>
+              </a:rPr>
+              <a:t>David submits </a:t>
+            </a:r>
+            <a:r>
+              <a:rPr lang="en-US" b="1" smtClean="0">
+                <a:solidFill>
+                  <a:srgbClr val="FF0000"/>
+                </a:solidFill>
+              </a:rPr>
+              <a:t>the evaluation.</a:t>
+            </a:r>
+            <a:endParaRPr lang="en-US" b="1" dirty="0">
+              <a:solidFill>
+                <a:srgbClr val="FF0000"/>
+              </a:solidFill>
+            </a:endParaRPr>
+          </a:p>
+        </p:txBody>
+      </p:sp>
+    </p:spTree>
+    <p:extLst>
+      <p:ext uri="{BB962C8B-B14F-4D97-AF65-F5344CB8AC3E}">
+        <p14:creationId xmlns:p14="http://schemas.microsoft.com/office/powerpoint/2010/main" val="3110936068"/>
+      </p:ext>
+    </p:extLst>
+  </p:cSld>
+  <p:clrMapOvr>
+    <a:masterClrMapping/>
+  </p:clrMapOvr>
+  <p:timing>
+    <p:tnLst>
+      <p:par>
+        <p:cTn id="1" dur="indefinite" restart="never" nodeType="tmRoot"/>
+      </p:par>
+    </p:tnLst>
+  </p:timing>
+</p:sld>
+</file>
+
+<file path=ppt/slides/slide17.xml><?xml version="1.0" encoding="utf-8"?>
+<p:sld xmlns:a="http://schemas.openxmlformats.org/drawingml/2006/main" xmlns:r="http://schemas.openxmlformats.org/officeDocument/2006/relationships" xmlns:p="http://schemas.openxmlformats.org/presentationml/2006/main">
+  <p:cSld>
+    <p:spTree>
+      <p:nvGrpSpPr>
+        <p:cNvPr id="1" name=""/>
+        <p:cNvGrpSpPr/>
+        <p:nvPr/>
+      </p:nvGrpSpPr>
+      <p:grpSpPr>
+        <a:xfrm>
+          <a:off x="0" y="0"/>
+          <a:ext cx="0" cy="0"/>
+          <a:chOff x="0" y="0"/>
+          <a:chExt cx="0" cy="0"/>
+        </a:xfrm>
+      </p:grpSpPr>
+      <p:sp>
+        <p:nvSpPr>
+          <p:cNvPr id="2" name="Título 1"/>
+          <p:cNvSpPr>
+            <a:spLocks noGrp="1"/>
+          </p:cNvSpPr>
+          <p:nvPr>
+            <p:ph type="title"/>
+          </p:nvPr>
+        </p:nvSpPr>
+        <p:spPr/>
+        <p:txBody>
+          <a:bodyPr/>
+          <a:lstStyle/>
+          <a:p>
+            <a:endParaRPr lang="en-US"/>
+          </a:p>
+        </p:txBody>
+      </p:sp>
+      <p:sp>
+        <p:nvSpPr>
+          <p:cNvPr id="3" name="Espaço Reservado para Conteúdo 2"/>
+          <p:cNvSpPr>
+            <a:spLocks noGrp="1"/>
+          </p:cNvSpPr>
+          <p:nvPr>
+            <p:ph idx="1"/>
+          </p:nvPr>
+        </p:nvSpPr>
+        <p:spPr/>
+        <p:txBody>
+          <a:bodyPr/>
+          <a:lstStyle/>
+          <a:p>
+            <a:endParaRPr lang="en-US"/>
+          </a:p>
+        </p:txBody>
+      </p:sp>
+      <p:pic>
+        <p:nvPicPr>
+          <p:cNvPr id="4" name="Imagem 3"/>
+          <p:cNvPicPr>
+            <a:picLocks noChangeAspect="1"/>
+          </p:cNvPicPr>
+          <p:nvPr/>
+        </p:nvPicPr>
+        <p:blipFill>
+          <a:blip r:embed="rId2"/>
+          <a:stretch>
+            <a:fillRect/>
+          </a:stretch>
+        </p:blipFill>
+        <p:spPr>
+          <a:xfrm>
+            <a:off x="-409575" y="-228600"/>
+            <a:ext cx="13011150" cy="7315200"/>
+          </a:xfrm>
+          <a:prstGeom prst="rect">
+            <a:avLst/>
+          </a:prstGeom>
+        </p:spPr>
+      </p:pic>
+      <p:sp>
+        <p:nvSpPr>
+          <p:cNvPr id="5" name="Elipse 4"/>
+          <p:cNvSpPr/>
+          <p:nvPr/>
+        </p:nvSpPr>
+        <p:spPr>
+          <a:xfrm>
+            <a:off x="10947042" y="4018208"/>
+            <a:ext cx="695459" cy="579550"/>
+          </a:xfrm>
+          <a:prstGeom prst="ellipse">
+            <a:avLst/>
+          </a:prstGeom>
+          <a:noFill/>
+          <a:ln w="76200">
+            <a:solidFill>
+              <a:schemeClr val="accent6"/>
+            </a:solidFill>
+          </a:ln>
+        </p:spPr>
+        <p:style>
+          <a:lnRef idx="2">
+            <a:schemeClr val="accent1">
+              <a:shade val="50000"/>
+            </a:schemeClr>
+          </a:lnRef>
+          <a:fillRef idx="1">
+            <a:schemeClr val="accent1"/>
+          </a:fillRef>
+          <a:effectRef idx="0">
+            <a:schemeClr val="accent1"/>
+          </a:effectRef>
+          <a:fontRef idx="minor">
+            <a:schemeClr val="lt1"/>
+          </a:fontRef>
+        </p:style>
+        <p:txBody>
+          <a:bodyPr rtlCol="0" anchor="ctr"/>
+          <a:lstStyle/>
+          <a:p>
+            <a:pPr algn="ctr"/>
+            <a:endParaRPr lang="en-US"/>
+          </a:p>
+        </p:txBody>
+      </p:sp>
+      <p:sp>
+        <p:nvSpPr>
+          <p:cNvPr id="6" name="CaixaDeTexto 5"/>
+          <p:cNvSpPr txBox="1"/>
+          <p:nvPr/>
+        </p:nvSpPr>
+        <p:spPr>
+          <a:xfrm>
+            <a:off x="5917484" y="4065857"/>
+            <a:ext cx="4222631" cy="369332"/>
+          </a:xfrm>
+          <a:prstGeom prst="rect">
+            <a:avLst/>
+          </a:prstGeom>
+          <a:noFill/>
+        </p:spPr>
+        <p:txBody>
+          <a:bodyPr wrap="none" rtlCol="0">
+            <a:spAutoFit/>
+          </a:bodyPr>
+          <a:lstStyle/>
+          <a:p>
+            <a:r>
+              <a:rPr lang="en-US" b="1" dirty="0" smtClean="0">
+                <a:solidFill>
+                  <a:srgbClr val="FF0000"/>
+                </a:solidFill>
+              </a:rPr>
+              <a:t>David sees that the evaluation is complete</a:t>
+            </a:r>
+            <a:endParaRPr lang="en-US" b="1" dirty="0">
+              <a:solidFill>
+                <a:srgbClr val="FF0000"/>
+              </a:solidFill>
+            </a:endParaRPr>
+          </a:p>
+        </p:txBody>
+      </p:sp>
+    </p:spTree>
+    <p:extLst>
+      <p:ext uri="{BB962C8B-B14F-4D97-AF65-F5344CB8AC3E}">
+        <p14:creationId xmlns:p14="http://schemas.microsoft.com/office/powerpoint/2010/main" val="234571788"/>
       </p:ext>
     </p:extLst>
   </p:cSld>
@@ -3585,11 +4687,6 @@
               </a:rPr>
               <a:t> is a supervisor</a:t>
             </a:r>
-            <a:endParaRPr lang="en-US" b="1" dirty="0" smtClean="0">
-              <a:solidFill>
-                <a:srgbClr val="FF0000"/>
-              </a:solidFill>
-            </a:endParaRPr>
           </a:p>
         </p:txBody>
       </p:sp>
@@ -3720,47 +4817,7 @@
                   <a:srgbClr val="FF0000"/>
                 </a:solidFill>
               </a:rPr>
-              <a:t>Not yet implemented: </a:t>
-            </a:r>
-            <a:r>
-              <a:rPr lang="en-US" b="1" dirty="0" smtClean="0">
-                <a:solidFill>
-                  <a:srgbClr val="FF0000"/>
-                </a:solidFill>
-              </a:rPr>
-              <a:t>list the</a:t>
-            </a:r>
-            <a:r>
-              <a:rPr lang="en-US" b="1" dirty="0" smtClean="0">
-                <a:solidFill>
-                  <a:srgbClr val="FF0000"/>
-                </a:solidFill>
-              </a:rPr>
-              <a:t> </a:t>
-            </a:r>
-            <a:r>
-              <a:rPr lang="en-US" b="1" dirty="0" smtClean="0">
-                <a:solidFill>
-                  <a:srgbClr val="FF0000"/>
-                </a:solidFill>
-              </a:rPr>
-              <a:t>employees </a:t>
-            </a:r>
-            <a:r>
-              <a:rPr lang="en-US" b="1" dirty="0" smtClean="0">
-                <a:solidFill>
-                  <a:srgbClr val="FF0000"/>
-                </a:solidFill>
-              </a:rPr>
-              <a:t>working on </a:t>
-            </a:r>
-            <a:r>
-              <a:rPr lang="en-US" b="1" dirty="0" smtClean="0">
-                <a:solidFill>
-                  <a:srgbClr val="FF0000"/>
-                </a:solidFill>
-              </a:rPr>
-              <a:t>the project</a:t>
+              <a:t>Not yet implemented: list the employees working on the project</a:t>
             </a:r>
           </a:p>
         </p:txBody>
@@ -3943,11 +5000,6 @@
               </a:rPr>
               <a:t> clicks create</a:t>
             </a:r>
-            <a:endParaRPr lang="en-US" b="1" dirty="0" smtClean="0">
-              <a:solidFill>
-                <a:srgbClr val="FF0000"/>
-              </a:solidFill>
-            </a:endParaRPr>
           </a:p>
         </p:txBody>
       </p:sp>
@@ -4096,11 +5148,6 @@
               </a:rPr>
               <a:t> it succeeded</a:t>
             </a:r>
-            <a:endParaRPr lang="en-US" b="1" dirty="0" smtClean="0">
-              <a:solidFill>
-                <a:srgbClr val="FF0000"/>
-              </a:solidFill>
-            </a:endParaRPr>
           </a:p>
         </p:txBody>
       </p:sp>
@@ -4231,21 +5278,8 @@
                   <a:srgbClr val="FF0000"/>
                 </a:solidFill>
               </a:rPr>
-              <a:t>Luke </a:t>
-            </a:r>
-            <a:r>
-              <a:rPr lang="en-US" b="1" dirty="0" smtClean="0">
-                <a:solidFill>
-                  <a:srgbClr val="FF0000"/>
-                </a:solidFill>
-              </a:rPr>
-              <a:t>logs in.</a:t>
-            </a:r>
-            <a:endParaRPr lang="en-US" b="1" dirty="0" smtClean="0">
-              <a:solidFill>
-                <a:srgbClr val="FF0000"/>
-              </a:solidFill>
-            </a:endParaRPr>
+              <a:t>Luke logs in.</a:t>
+            </a:r>
           </a:p>
         </p:txBody>
       </p:sp>
@@ -4378,11 +5412,6 @@
               </a:rPr>
               <a:t>Luke can manage projects and accounts from his home page</a:t>
             </a:r>
-            <a:endParaRPr lang="en-US" b="1" dirty="0" smtClean="0">
-              <a:solidFill>
-                <a:srgbClr val="FF0000"/>
-              </a:solidFill>
-            </a:endParaRPr>
           </a:p>
         </p:txBody>
       </p:sp>
@@ -4416,11 +5445,6 @@
               </a:rPr>
               <a:t>Luke is an admin</a:t>
             </a:r>
-            <a:endParaRPr lang="en-US" b="1" dirty="0" smtClean="0">
-              <a:solidFill>
-                <a:srgbClr val="FF0000"/>
-              </a:solidFill>
-            </a:endParaRPr>
           </a:p>
         </p:txBody>
       </p:sp>
@@ -4551,23 +5575,7 @@
                   <a:srgbClr val="FF0000"/>
                 </a:solidFill>
               </a:rPr>
-              <a:t>He clicks </a:t>
-            </a:r>
-            <a:r>
-              <a:rPr lang="en-US" b="1" dirty="0" smtClean="0">
-                <a:solidFill>
-                  <a:srgbClr val="FF0000"/>
-                </a:solidFill>
-              </a:rPr>
-              <a:t>on </a:t>
-            </a:r>
-            <a:r>
-              <a:rPr lang="en-US" b="1" dirty="0" smtClean="0">
-                <a:solidFill>
-                  <a:srgbClr val="FF0000"/>
-                </a:solidFill>
-              </a:rPr>
-              <a:t>“Manage Projects”</a:t>
+              <a:t>He clicks on “Manage Projects”</a:t>
             </a:r>
             <a:endParaRPr lang="en-US" b="1" dirty="0">
               <a:solidFill>
@@ -4742,23 +5750,7 @@
                   <a:srgbClr val="FF0000"/>
                 </a:solidFill>
               </a:rPr>
-              <a:t>Luke clicks</a:t>
-            </a:r>
-            <a:r>
-              <a:rPr lang="en-US" b="1" dirty="0" smtClean="0">
-                <a:solidFill>
-                  <a:srgbClr val="FF0000"/>
-                </a:solidFill>
-              </a:rPr>
-              <a:t> </a:t>
-            </a:r>
-            <a:r>
-              <a:rPr lang="en-US" b="1" dirty="0" smtClean="0">
-                <a:solidFill>
-                  <a:srgbClr val="FF0000"/>
-                </a:solidFill>
-              </a:rPr>
-              <a:t>on “Manage Accounts”</a:t>
+              <a:t>Luke clicks on “Manage Accounts”</a:t>
             </a:r>
             <a:endParaRPr lang="en-US" b="1" dirty="0">
               <a:solidFill>
@@ -4830,11 +5822,6 @@
               </a:rPr>
               <a:t>page</a:t>
             </a:r>
-            <a:endParaRPr lang="en-US" b="1" dirty="0">
-              <a:solidFill>
-                <a:srgbClr val="FF0000"/>
-              </a:solidFill>
-            </a:endParaRPr>
           </a:p>
         </p:txBody>
       </p:sp>
@@ -5113,7 +6100,7 @@
   <a:extraClrSchemeLst/>
   <a:extLst>
     <a:ext uri="{05A4C25C-085E-4340-85A3-A5531E510DB2}">
-      <thm15:themeFamily xmlns:thm15="http://schemas.microsoft.com/office/thememl/2012/main" xmlns="" name="Office Theme" id="{62F939B6-93AF-4DB8-9C6B-D6C7DFDC589F}" vid="{4A3C46E8-61CC-4603-A589-7422A47A8E4A}"/>
+      <thm15:themeFamily xmlns="" xmlns:thm15="http://schemas.microsoft.com/office/thememl/2012/main" name="Office Theme" id="{62F939B6-93AF-4DB8-9C6B-D6C7DFDC589F}" vid="{4A3C46E8-61CC-4603-A589-7422A47A8E4A}"/>
     </a:ext>
   </a:extLst>
 </a:theme>
